--- a/Scrum Planing.pptx
+++ b/Scrum Planing.pptx
@@ -190,6 +190,7 @@
           </a:p>
         </c:rich>
       </c:tx>
+      <c:layout/>
       <c:overlay val="0"/>
       <c:spPr>
         <a:noFill/>
@@ -283,6 +284,18 @@
               <c:numCache>
                 <c:formatCode>General</c:formatCode>
                 <c:ptCount val="6"/>
+                <c:pt idx="0">
+                  <c:v>53</c:v>
+                </c:pt>
+                <c:pt idx="1">
+                  <c:v>53</c:v>
+                </c:pt>
+                <c:pt idx="2">
+                  <c:v>53</c:v>
+                </c:pt>
+                <c:pt idx="3">
+                  <c:v>21</c:v>
+                </c:pt>
               </c:numCache>
             </c:numRef>
           </c:val>
@@ -351,8 +364,23 @@
               <c:numCache>
                 <c:formatCode>General</c:formatCode>
                 <c:ptCount val="6"/>
+                <c:pt idx="0">
+                  <c:v>53</c:v>
+                </c:pt>
+                <c:pt idx="1">
+                  <c:v>42.5</c:v>
+                </c:pt>
+                <c:pt idx="2">
+                  <c:v>32</c:v>
+                </c:pt>
+                <c:pt idx="3">
+                  <c:v>21.5</c:v>
+                </c:pt>
+                <c:pt idx="4">
+                  <c:v>11</c:v>
+                </c:pt>
                 <c:pt idx="5">
-                  <c:v>0</c:v>
+                  <c:v>0.5</c:v>
                 </c:pt>
               </c:numCache>
             </c:numRef>
@@ -493,6 +521,7 @@
     </c:plotArea>
     <c:legend>
       <c:legendPos val="b"/>
+      <c:layout/>
       <c:overlay val="0"/>
       <c:spPr>
         <a:noFill/>
@@ -1236,7 +1265,7 @@
           <a:p>
             <a:fld id="{A28FCF0F-AAD2-4FC6-AE6A-8562462B0AB6}" type="datetimeFigureOut">
               <a:rPr lang="de-CH" smtClean="0"/>
-              <a:t>27.03.2017</a:t>
+              <a:t>03.04.2017</a:t>
             </a:fld>
             <a:endParaRPr lang="de-CH"/>
           </a:p>
@@ -1406,7 +1435,7 @@
           <a:p>
             <a:fld id="{A28FCF0F-AAD2-4FC6-AE6A-8562462B0AB6}" type="datetimeFigureOut">
               <a:rPr lang="de-CH" smtClean="0"/>
-              <a:t>27.03.2017</a:t>
+              <a:t>03.04.2017</a:t>
             </a:fld>
             <a:endParaRPr lang="de-CH"/>
           </a:p>
@@ -1586,7 +1615,7 @@
           <a:p>
             <a:fld id="{A28FCF0F-AAD2-4FC6-AE6A-8562462B0AB6}" type="datetimeFigureOut">
               <a:rPr lang="de-CH" smtClean="0"/>
-              <a:t>27.03.2017</a:t>
+              <a:t>03.04.2017</a:t>
             </a:fld>
             <a:endParaRPr lang="de-CH"/>
           </a:p>
@@ -1756,7 +1785,7 @@
           <a:p>
             <a:fld id="{A28FCF0F-AAD2-4FC6-AE6A-8562462B0AB6}" type="datetimeFigureOut">
               <a:rPr lang="de-CH" smtClean="0"/>
-              <a:t>27.03.2017</a:t>
+              <a:t>03.04.2017</a:t>
             </a:fld>
             <a:endParaRPr lang="de-CH"/>
           </a:p>
@@ -2002,7 +2031,7 @@
           <a:p>
             <a:fld id="{A28FCF0F-AAD2-4FC6-AE6A-8562462B0AB6}" type="datetimeFigureOut">
               <a:rPr lang="de-CH" smtClean="0"/>
-              <a:t>27.03.2017</a:t>
+              <a:t>03.04.2017</a:t>
             </a:fld>
             <a:endParaRPr lang="de-CH"/>
           </a:p>
@@ -2234,7 +2263,7 @@
           <a:p>
             <a:fld id="{A28FCF0F-AAD2-4FC6-AE6A-8562462B0AB6}" type="datetimeFigureOut">
               <a:rPr lang="de-CH" smtClean="0"/>
-              <a:t>27.03.2017</a:t>
+              <a:t>03.04.2017</a:t>
             </a:fld>
             <a:endParaRPr lang="de-CH"/>
           </a:p>
@@ -2601,7 +2630,7 @@
           <a:p>
             <a:fld id="{A28FCF0F-AAD2-4FC6-AE6A-8562462B0AB6}" type="datetimeFigureOut">
               <a:rPr lang="de-CH" smtClean="0"/>
-              <a:t>27.03.2017</a:t>
+              <a:t>03.04.2017</a:t>
             </a:fld>
             <a:endParaRPr lang="de-CH"/>
           </a:p>
@@ -2719,7 +2748,7 @@
           <a:p>
             <a:fld id="{A28FCF0F-AAD2-4FC6-AE6A-8562462B0AB6}" type="datetimeFigureOut">
               <a:rPr lang="de-CH" smtClean="0"/>
-              <a:t>27.03.2017</a:t>
+              <a:t>03.04.2017</a:t>
             </a:fld>
             <a:endParaRPr lang="de-CH"/>
           </a:p>
@@ -2814,7 +2843,7 @@
           <a:p>
             <a:fld id="{A28FCF0F-AAD2-4FC6-AE6A-8562462B0AB6}" type="datetimeFigureOut">
               <a:rPr lang="de-CH" smtClean="0"/>
-              <a:t>27.03.2017</a:t>
+              <a:t>03.04.2017</a:t>
             </a:fld>
             <a:endParaRPr lang="de-CH"/>
           </a:p>
@@ -3091,7 +3120,7 @@
           <a:p>
             <a:fld id="{A28FCF0F-AAD2-4FC6-AE6A-8562462B0AB6}" type="datetimeFigureOut">
               <a:rPr lang="de-CH" smtClean="0"/>
-              <a:t>27.03.2017</a:t>
+              <a:t>03.04.2017</a:t>
             </a:fld>
             <a:endParaRPr lang="de-CH"/>
           </a:p>
@@ -3344,7 +3373,7 @@
           <a:p>
             <a:fld id="{A28FCF0F-AAD2-4FC6-AE6A-8562462B0AB6}" type="datetimeFigureOut">
               <a:rPr lang="de-CH" smtClean="0"/>
-              <a:t>27.03.2017</a:t>
+              <a:t>03.04.2017</a:t>
             </a:fld>
             <a:endParaRPr lang="de-CH"/>
           </a:p>
@@ -3557,7 +3586,7 @@
           <a:p>
             <a:fld id="{A28FCF0F-AAD2-4FC6-AE6A-8562462B0AB6}" type="datetimeFigureOut">
               <a:rPr lang="de-CH" smtClean="0"/>
-              <a:t>27.03.2017</a:t>
+              <a:t>03.04.2017</a:t>
             </a:fld>
             <a:endParaRPr lang="de-CH"/>
           </a:p>
@@ -5157,7 +5186,11 @@
           <a:p>
             <a:r>
               <a:rPr lang="de-CH" sz="1400" b="1" dirty="0" smtClean="0"/>
-              <a:t>[001]Räume anzeigen:</a:t>
+              <a:t>[001]Räume anzeigen</a:t>
+            </a:r>
+            <a:r>
+              <a:rPr lang="de-CH" sz="1400" b="1" dirty="0" smtClean="0"/>
+              <a:t>:	8</a:t>
             </a:r>
             <a:endParaRPr lang="de-CH" sz="1400" dirty="0"/>
           </a:p>
@@ -5326,7 +5359,11 @@
           <a:p>
             <a:r>
               <a:rPr lang="de-CH" sz="1400" b="1" dirty="0" smtClean="0"/>
-              <a:t>[001]Räume anzeigen:</a:t>
+              <a:t>[001]Räume anzeigen</a:t>
+            </a:r>
+            <a:r>
+              <a:rPr lang="de-CH" sz="1400" b="1" dirty="0" smtClean="0"/>
+              <a:t>:	12</a:t>
             </a:r>
             <a:endParaRPr lang="de-CH" sz="1400" dirty="0"/>
           </a:p>
@@ -5367,7 +5404,11 @@
           <a:p>
             <a:r>
               <a:rPr lang="de-CH" sz="1400" b="1" dirty="0" smtClean="0"/>
-              <a:t>[001]Räume anzeigen:</a:t>
+              <a:t>[001]Räume anzeigen</a:t>
+            </a:r>
+            <a:r>
+              <a:rPr lang="de-CH" sz="1400" b="1" dirty="0" smtClean="0"/>
+              <a:t>:	12</a:t>
             </a:r>
             <a:endParaRPr lang="de-CH" sz="1400" dirty="0"/>
           </a:p>
@@ -5408,7 +5449,11 @@
           <a:p>
             <a:r>
               <a:rPr lang="de-CH" sz="1400" b="1" dirty="0" smtClean="0"/>
-              <a:t>[001]Räume anzeigen:</a:t>
+              <a:t>[001]Räume anzeigen</a:t>
+            </a:r>
+            <a:r>
+              <a:rPr lang="de-CH" sz="1400" b="1" dirty="0" smtClean="0"/>
+              <a:t>:	21</a:t>
             </a:r>
             <a:endParaRPr lang="de-CH" sz="1400" dirty="0"/>
           </a:p>
@@ -5495,7 +5540,7 @@
             <p:ph idx="1"/>
             <p:extLst>
               <p:ext uri="{D42A27DB-BD31-4B8C-83A1-F6EECF244321}">
-                <p14:modId xmlns:p14="http://schemas.microsoft.com/office/powerpoint/2010/main" val="213062523"/>
+                <p14:modId xmlns:p14="http://schemas.microsoft.com/office/powerpoint/2010/main" val="1723907931"/>
               </p:ext>
             </p:extLst>
           </p:nvPr>

--- a/Scrum Planing.pptx
+++ b/Scrum Planing.pptx
@@ -285,16 +285,22 @@
                 <c:formatCode>General</c:formatCode>
                 <c:ptCount val="6"/>
                 <c:pt idx="0">
-                  <c:v>53</c:v>
+                  <c:v>98</c:v>
                 </c:pt>
                 <c:pt idx="1">
-                  <c:v>53</c:v>
+                  <c:v>98</c:v>
                 </c:pt>
                 <c:pt idx="2">
-                  <c:v>53</c:v>
+                  <c:v>98</c:v>
                 </c:pt>
                 <c:pt idx="3">
-                  <c:v>21</c:v>
+                  <c:v>66</c:v>
+                </c:pt>
+                <c:pt idx="4">
+                  <c:v>66</c:v>
+                </c:pt>
+                <c:pt idx="5">
+                  <c:v>66</c:v>
                 </c:pt>
               </c:numCache>
             </c:numRef>
@@ -365,22 +371,22 @@
                 <c:formatCode>General</c:formatCode>
                 <c:ptCount val="6"/>
                 <c:pt idx="0">
-                  <c:v>53</c:v>
+                  <c:v>100</c:v>
                 </c:pt>
                 <c:pt idx="1">
-                  <c:v>42.5</c:v>
+                  <c:v>80</c:v>
                 </c:pt>
                 <c:pt idx="2">
-                  <c:v>32</c:v>
+                  <c:v>60</c:v>
                 </c:pt>
                 <c:pt idx="3">
-                  <c:v>21.5</c:v>
+                  <c:v>40</c:v>
                 </c:pt>
                 <c:pt idx="4">
-                  <c:v>11</c:v>
+                  <c:v>20</c:v>
                 </c:pt>
                 <c:pt idx="5">
-                  <c:v>0.5</c:v>
+                  <c:v>0</c:v>
                 </c:pt>
               </c:numCache>
             </c:numRef>
@@ -4523,6 +4529,88 @@
           </a:p>
         </p:txBody>
       </p:sp>
+      <p:sp>
+        <p:nvSpPr>
+          <p:cNvPr id="5" name="Textfeld 4"/>
+          <p:cNvSpPr txBox="1"/>
+          <p:nvPr/>
+        </p:nvSpPr>
+        <p:spPr>
+          <a:xfrm>
+            <a:off x="162951" y="1993370"/>
+            <a:ext cx="2362200" cy="954107"/>
+          </a:xfrm>
+          <a:prstGeom prst="rect">
+            <a:avLst/>
+          </a:prstGeom>
+          <a:solidFill>
+            <a:schemeClr val="bg1">
+              <a:lumMod val="85000"/>
+            </a:schemeClr>
+          </a:solidFill>
+        </p:spPr>
+        <p:txBody>
+          <a:bodyPr wrap="square" rtlCol="0">
+            <a:spAutoFit/>
+          </a:bodyPr>
+          <a:lstStyle/>
+          <a:p>
+            <a:r>
+              <a:rPr lang="de-CH" sz="1400" b="1" smtClean="0"/>
+              <a:t>[002]Raum buchen:</a:t>
+            </a:r>
+            <a:endParaRPr lang="de-CH" sz="1400" smtClean="0"/>
+          </a:p>
+          <a:p>
+            <a:r>
+              <a:rPr lang="de-CH" sz="1400" smtClean="0"/>
+              <a:t>Als Verwaltungsangestellter kann ich Reservationen erfassen, ändern und löschen</a:t>
+            </a:r>
+            <a:endParaRPr lang="de-CH" sz="1400" dirty="0"/>
+          </a:p>
+        </p:txBody>
+      </p:sp>
+      <p:sp>
+        <p:nvSpPr>
+          <p:cNvPr id="6" name="Textfeld 5"/>
+          <p:cNvSpPr txBox="1"/>
+          <p:nvPr/>
+        </p:nvSpPr>
+        <p:spPr>
+          <a:xfrm>
+            <a:off x="162951" y="3390164"/>
+            <a:ext cx="2362200" cy="1169551"/>
+          </a:xfrm>
+          <a:prstGeom prst="rect">
+            <a:avLst/>
+          </a:prstGeom>
+          <a:solidFill>
+            <a:schemeClr val="bg1">
+              <a:lumMod val="85000"/>
+            </a:schemeClr>
+          </a:solidFill>
+        </p:spPr>
+        <p:txBody>
+          <a:bodyPr wrap="square" rtlCol="0">
+            <a:spAutoFit/>
+          </a:bodyPr>
+          <a:lstStyle/>
+          <a:p>
+            <a:r>
+              <a:rPr lang="de-CH" sz="1400" b="1" dirty="0" smtClean="0"/>
+              <a:t>[003]Login:</a:t>
+            </a:r>
+            <a:endParaRPr lang="de-CH" sz="1400" dirty="0" smtClean="0"/>
+          </a:p>
+          <a:p>
+            <a:r>
+              <a:rPr lang="de-CH" sz="1400" dirty="0" smtClean="0"/>
+              <a:t>Als User kann ich entscheiden, ob ich als Verwaltungsangestellter oder Kunde eingeloggt werden will</a:t>
+            </a:r>
+            <a:endParaRPr lang="de-CH" sz="1400" dirty="0"/>
+          </a:p>
+        </p:txBody>
+      </p:sp>
     </p:spTree>
     <p:extLst>
       <p:ext uri="{BB962C8B-B14F-4D97-AF65-F5344CB8AC3E}">
@@ -5166,7 +5254,7 @@
         </p:nvSpPr>
         <p:spPr>
           <a:xfrm>
-            <a:off x="3586672" y="2510973"/>
+            <a:off x="8818778" y="2062482"/>
             <a:ext cx="2362200" cy="523220"/>
           </a:xfrm>
           <a:prstGeom prst="rect">
@@ -5186,11 +5274,7 @@
           <a:p>
             <a:r>
               <a:rPr lang="de-CH" sz="1400" b="1" dirty="0" smtClean="0"/>
-              <a:t>[001]Räume anzeigen</a:t>
-            </a:r>
-            <a:r>
-              <a:rPr lang="de-CH" sz="1400" b="1" dirty="0" smtClean="0"/>
-              <a:t>:	8</a:t>
+              <a:t>[001]Räume anzeigen:	8</a:t>
             </a:r>
             <a:endParaRPr lang="de-CH" sz="1400" dirty="0"/>
           </a:p>
@@ -5200,134 +5284,6 @@
               <a:t>Datenbank nach ERM bauen</a:t>
             </a:r>
             <a:endParaRPr lang="de-CH" sz="1400" dirty="0"/>
-          </a:p>
-        </p:txBody>
-      </p:sp>
-      <p:sp>
-        <p:nvSpPr>
-          <p:cNvPr id="23" name="Textfeld 22"/>
-          <p:cNvSpPr txBox="1"/>
-          <p:nvPr/>
-        </p:nvSpPr>
-        <p:spPr>
-          <a:xfrm>
-            <a:off x="3500509" y="3940850"/>
-            <a:ext cx="2595491" cy="369332"/>
-          </a:xfrm>
-          <a:prstGeom prst="rect">
-            <a:avLst/>
-          </a:prstGeom>
-          <a:noFill/>
-        </p:spPr>
-        <p:txBody>
-          <a:bodyPr wrap="square" rtlCol="0">
-            <a:spAutoFit/>
-          </a:bodyPr>
-          <a:lstStyle/>
-          <a:p>
-            <a:r>
-              <a:rPr lang="de-CH" dirty="0" smtClean="0"/>
-              <a:t>Philipp Schmid</a:t>
-            </a:r>
-            <a:endParaRPr lang="de-CH" dirty="0"/>
-          </a:p>
-        </p:txBody>
-      </p:sp>
-      <p:sp>
-        <p:nvSpPr>
-          <p:cNvPr id="24" name="Textfeld 23"/>
-          <p:cNvSpPr txBox="1"/>
-          <p:nvPr/>
-        </p:nvSpPr>
-        <p:spPr>
-          <a:xfrm>
-            <a:off x="3470027" y="2142779"/>
-            <a:ext cx="2595491" cy="369332"/>
-          </a:xfrm>
-          <a:prstGeom prst="rect">
-            <a:avLst/>
-          </a:prstGeom>
-          <a:noFill/>
-        </p:spPr>
-        <p:txBody>
-          <a:bodyPr wrap="square" rtlCol="0">
-            <a:spAutoFit/>
-          </a:bodyPr>
-          <a:lstStyle/>
-          <a:p>
-            <a:r>
-              <a:rPr lang="de-CH" dirty="0" smtClean="0"/>
-              <a:t>Joel </a:t>
-            </a:r>
-            <a:r>
-              <a:rPr lang="de-CH" dirty="0" err="1" smtClean="0"/>
-              <a:t>Scheidegger</a:t>
-            </a:r>
-            <a:endParaRPr lang="de-CH" dirty="0" smtClean="0"/>
-          </a:p>
-        </p:txBody>
-      </p:sp>
-      <p:sp>
-        <p:nvSpPr>
-          <p:cNvPr id="25" name="Textfeld 24"/>
-          <p:cNvSpPr txBox="1"/>
-          <p:nvPr/>
-        </p:nvSpPr>
-        <p:spPr>
-          <a:xfrm>
-            <a:off x="3481750" y="5216839"/>
-            <a:ext cx="2595491" cy="369332"/>
-          </a:xfrm>
-          <a:prstGeom prst="rect">
-            <a:avLst/>
-          </a:prstGeom>
-          <a:noFill/>
-        </p:spPr>
-        <p:txBody>
-          <a:bodyPr wrap="square" rtlCol="0">
-            <a:spAutoFit/>
-          </a:bodyPr>
-          <a:lstStyle/>
-          <a:p>
-            <a:r>
-              <a:rPr lang="de-CH" dirty="0" smtClean="0"/>
-              <a:t>Simon </a:t>
-            </a:r>
-            <a:r>
-              <a:rPr lang="de-CH" dirty="0" err="1" smtClean="0"/>
-              <a:t>Buchli</a:t>
-            </a:r>
-            <a:endParaRPr lang="de-CH" dirty="0" smtClean="0"/>
-          </a:p>
-        </p:txBody>
-      </p:sp>
-      <p:sp>
-        <p:nvSpPr>
-          <p:cNvPr id="26" name="Textfeld 25"/>
-          <p:cNvSpPr txBox="1"/>
-          <p:nvPr/>
-        </p:nvSpPr>
-        <p:spPr>
-          <a:xfrm>
-            <a:off x="3448339" y="1954760"/>
-            <a:ext cx="2595491" cy="369332"/>
-          </a:xfrm>
-          <a:prstGeom prst="rect">
-            <a:avLst/>
-          </a:prstGeom>
-          <a:noFill/>
-        </p:spPr>
-        <p:txBody>
-          <a:bodyPr wrap="square" rtlCol="0">
-            <a:spAutoFit/>
-          </a:bodyPr>
-          <a:lstStyle/>
-          <a:p>
-            <a:r>
-              <a:rPr lang="de-CH" dirty="0" smtClean="0"/>
-              <a:t>Benjamin Frei</a:t>
-            </a:r>
-            <a:endParaRPr lang="de-CH" dirty="0"/>
           </a:p>
         </p:txBody>
       </p:sp>
@@ -5339,7 +5295,7 @@
         </p:nvSpPr>
         <p:spPr>
           <a:xfrm>
-            <a:off x="3564984" y="4344142"/>
+            <a:off x="8818778" y="3617816"/>
             <a:ext cx="2362200" cy="738664"/>
           </a:xfrm>
           <a:prstGeom prst="rect">
@@ -5359,11 +5315,7 @@
           <a:p>
             <a:r>
               <a:rPr lang="de-CH" sz="1400" b="1" dirty="0" smtClean="0"/>
-              <a:t>[001]Räume anzeigen</a:t>
-            </a:r>
-            <a:r>
-              <a:rPr lang="de-CH" sz="1400" b="1" dirty="0" smtClean="0"/>
-              <a:t>:	12</a:t>
+              <a:t>[001]Räume anzeigen:	12</a:t>
             </a:r>
             <a:endParaRPr lang="de-CH" sz="1400" dirty="0"/>
           </a:p>
@@ -5384,7 +5336,7 @@
         </p:nvSpPr>
         <p:spPr>
           <a:xfrm>
-            <a:off x="3586672" y="5520081"/>
+            <a:off x="8818778" y="2743883"/>
             <a:ext cx="2362200" cy="738664"/>
           </a:xfrm>
           <a:prstGeom prst="rect">
@@ -5404,11 +5356,7 @@
           <a:p>
             <a:r>
               <a:rPr lang="de-CH" sz="1400" b="1" dirty="0" smtClean="0"/>
-              <a:t>[001]Räume anzeigen</a:t>
-            </a:r>
-            <a:r>
-              <a:rPr lang="de-CH" sz="1400" b="1" dirty="0" smtClean="0"/>
-              <a:t>:	12</a:t>
+              <a:t>[001]Räume anzeigen:	12</a:t>
             </a:r>
             <a:endParaRPr lang="de-CH" sz="1400" dirty="0"/>
           </a:p>
@@ -5429,7 +5377,7 @@
         </p:nvSpPr>
         <p:spPr>
           <a:xfrm>
-            <a:off x="914691" y="2087645"/>
+            <a:off x="3611778" y="2007369"/>
             <a:ext cx="2362200" cy="738664"/>
           </a:xfrm>
           <a:prstGeom prst="rect">
@@ -5449,11 +5397,7 @@
           <a:p>
             <a:r>
               <a:rPr lang="de-CH" sz="1400" b="1" dirty="0" smtClean="0"/>
-              <a:t>[001]Räume anzeigen</a:t>
-            </a:r>
-            <a:r>
-              <a:rPr lang="de-CH" sz="1400" b="1" dirty="0" smtClean="0"/>
-              <a:t>:	21</a:t>
+              <a:t>[001]Räume anzeigen:	21</a:t>
             </a:r>
             <a:endParaRPr lang="de-CH" sz="1400" dirty="0"/>
           </a:p>
@@ -5461,6 +5405,185 @@
             <a:r>
               <a:rPr lang="de-CH" sz="1400" dirty="0" smtClean="0"/>
               <a:t>Controller zur dynamischen Auflistung bauen</a:t>
+            </a:r>
+            <a:endParaRPr lang="de-CH" sz="1400" dirty="0"/>
+          </a:p>
+        </p:txBody>
+      </p:sp>
+      <p:sp>
+        <p:nvSpPr>
+          <p:cNvPr id="12" name="Textfeld 11"/>
+          <p:cNvSpPr txBox="1"/>
+          <p:nvPr/>
+        </p:nvSpPr>
+        <p:spPr>
+          <a:xfrm>
+            <a:off x="914691" y="2073265"/>
+            <a:ext cx="2362200" cy="1384995"/>
+          </a:xfrm>
+          <a:prstGeom prst="rect">
+            <a:avLst/>
+          </a:prstGeom>
+          <a:solidFill>
+            <a:schemeClr val="bg1">
+              <a:lumMod val="85000"/>
+            </a:schemeClr>
+          </a:solidFill>
+        </p:spPr>
+        <p:txBody>
+          <a:bodyPr wrap="square" rtlCol="0">
+            <a:spAutoFit/>
+          </a:bodyPr>
+          <a:lstStyle/>
+          <a:p>
+            <a:r>
+              <a:rPr lang="de-CH" sz="1400" b="1" dirty="0"/>
+              <a:t>[</a:t>
+            </a:r>
+            <a:r>
+              <a:rPr lang="de-CH" sz="1400" b="1" dirty="0" smtClean="0"/>
+              <a:t>003]Login:</a:t>
+            </a:r>
+            <a:r>
+              <a:rPr lang="de-CH" sz="1400" b="1" dirty="0" smtClean="0"/>
+              <a:t>	</a:t>
+            </a:r>
+            <a:r>
+              <a:rPr lang="de-CH" sz="1400" b="1" dirty="0" smtClean="0"/>
+              <a:t>	5</a:t>
+            </a:r>
+            <a:endParaRPr lang="de-CH" sz="1400" dirty="0"/>
+          </a:p>
+          <a:p>
+            <a:r>
+              <a:rPr lang="de-CH" sz="1400" dirty="0" smtClean="0"/>
+              <a:t>Als User kann ich mich entscheiden, ob ich als Verwaltungsangestellter oder Kunde eingeloggt werden will, jedoch ohne </a:t>
+            </a:r>
+            <a:r>
+              <a:rPr lang="de-CH" sz="1400" dirty="0"/>
+              <a:t>V</a:t>
+            </a:r>
+            <a:r>
+              <a:rPr lang="de-CH" sz="1400" dirty="0" smtClean="0"/>
+              <a:t>alidierung.</a:t>
+            </a:r>
+            <a:endParaRPr lang="de-CH" sz="1400" dirty="0"/>
+          </a:p>
+        </p:txBody>
+      </p:sp>
+      <p:sp>
+        <p:nvSpPr>
+          <p:cNvPr id="13" name="Textfeld 12"/>
+          <p:cNvSpPr txBox="1"/>
+          <p:nvPr/>
+        </p:nvSpPr>
+        <p:spPr>
+          <a:xfrm>
+            <a:off x="914691" y="3625973"/>
+            <a:ext cx="2362200" cy="954107"/>
+          </a:xfrm>
+          <a:prstGeom prst="rect">
+            <a:avLst/>
+          </a:prstGeom>
+          <a:solidFill>
+            <a:schemeClr val="bg1">
+              <a:lumMod val="85000"/>
+            </a:schemeClr>
+          </a:solidFill>
+        </p:spPr>
+        <p:txBody>
+          <a:bodyPr wrap="square" rtlCol="0">
+            <a:spAutoFit/>
+          </a:bodyPr>
+          <a:lstStyle/>
+          <a:p>
+            <a:r>
+              <a:rPr lang="de-CH" sz="1400" b="1" dirty="0"/>
+              <a:t>[</a:t>
+            </a:r>
+            <a:r>
+              <a:rPr lang="de-CH" sz="1400" b="1" dirty="0" smtClean="0"/>
+              <a:t>002]Raum buchen:</a:t>
+            </a:r>
+            <a:r>
+              <a:rPr lang="de-CH" sz="1400" b="1" dirty="0" smtClean="0"/>
+              <a:t>	</a:t>
+            </a:r>
+            <a:r>
+              <a:rPr lang="de-CH" sz="1400" b="1" dirty="0" smtClean="0"/>
+              <a:t>32</a:t>
+            </a:r>
+            <a:endParaRPr lang="de-CH" sz="1400" dirty="0"/>
+          </a:p>
+          <a:p>
+            <a:r>
+              <a:rPr lang="de-CH" sz="1400" dirty="0" smtClean="0"/>
+              <a:t>Als </a:t>
+            </a:r>
+            <a:r>
+              <a:rPr lang="de-CH" sz="1400" dirty="0" err="1" smtClean="0"/>
+              <a:t>Verwealtungsangestellter</a:t>
+            </a:r>
+            <a:r>
+              <a:rPr lang="de-CH" sz="1400" dirty="0" smtClean="0"/>
+              <a:t> kann ich eine Reservation erstellen und ändern</a:t>
+            </a:r>
+            <a:endParaRPr lang="de-CH" sz="1400" dirty="0"/>
+          </a:p>
+        </p:txBody>
+      </p:sp>
+      <p:sp>
+        <p:nvSpPr>
+          <p:cNvPr id="14" name="Textfeld 13"/>
+          <p:cNvSpPr txBox="1"/>
+          <p:nvPr/>
+        </p:nvSpPr>
+        <p:spPr>
+          <a:xfrm>
+            <a:off x="914691" y="4747793"/>
+            <a:ext cx="2362200" cy="954107"/>
+          </a:xfrm>
+          <a:prstGeom prst="rect">
+            <a:avLst/>
+          </a:prstGeom>
+          <a:solidFill>
+            <a:schemeClr val="bg1">
+              <a:lumMod val="85000"/>
+            </a:schemeClr>
+          </a:solidFill>
+        </p:spPr>
+        <p:txBody>
+          <a:bodyPr wrap="square" rtlCol="0">
+            <a:spAutoFit/>
+          </a:bodyPr>
+          <a:lstStyle/>
+          <a:p>
+            <a:r>
+              <a:rPr lang="de-CH" sz="1400" b="1" dirty="0"/>
+              <a:t>[</a:t>
+            </a:r>
+            <a:r>
+              <a:rPr lang="de-CH" sz="1400" b="1" dirty="0" smtClean="0"/>
+              <a:t>002]Raum buchen:     8</a:t>
+            </a:r>
+            <a:r>
+              <a:rPr lang="de-CH" sz="1400" b="1" dirty="0" smtClean="0"/>
+              <a:t>	</a:t>
+            </a:r>
+            <a:endParaRPr lang="de-CH" sz="1400" dirty="0"/>
+          </a:p>
+          <a:p>
+            <a:r>
+              <a:rPr lang="de-CH" sz="1400" dirty="0" smtClean="0"/>
+              <a:t>Als </a:t>
+            </a:r>
+            <a:r>
+              <a:rPr lang="de-CH" sz="1400" dirty="0" err="1" smtClean="0"/>
+              <a:t>Verwealtungsangestellter</a:t>
+            </a:r>
+            <a:r>
+              <a:rPr lang="de-CH" sz="1400" dirty="0" smtClean="0"/>
+              <a:t> kann ich eine Reservation löschen</a:t>
             </a:r>
             <a:endParaRPr lang="de-CH" sz="1400" dirty="0"/>
           </a:p>
@@ -5540,7 +5663,7 @@
             <p:ph idx="1"/>
             <p:extLst>
               <p:ext uri="{D42A27DB-BD31-4B8C-83A1-F6EECF244321}">
-                <p14:modId xmlns:p14="http://schemas.microsoft.com/office/powerpoint/2010/main" val="1723907931"/>
+                <p14:modId xmlns:p14="http://schemas.microsoft.com/office/powerpoint/2010/main" val="2006519021"/>
               </p:ext>
             </p:extLst>
           </p:nvPr>
